--- a/materials/slides/ch10.pptx
+++ b/materials/slides/ch10.pptx
@@ -2048,7 +2048,6 @@
           <a:ln>
             <a:noFill/>
           </a:ln>
-          <a:extLst/>
         </p:spPr>
         <p:txBody>
           <a:bodyPr>
@@ -2268,7 +2267,6 @@
           <a:ln>
             <a:noFill/>
           </a:ln>
-          <a:extLst/>
         </p:spPr>
         <p:txBody>
           <a:bodyPr wrap="none" anchor="ctr"/>
@@ -2420,7 +2418,6 @@
           <a:ln>
             <a:noFill/>
           </a:ln>
-          <a:extLst/>
         </p:spPr>
         <p:txBody>
           <a:bodyPr wrap="none" anchor="ctr"/>
@@ -2568,7 +2565,6 @@
           <a:ln>
             <a:noFill/>
           </a:ln>
-          <a:extLst/>
         </p:spPr>
         <p:txBody>
           <a:bodyPr/>
@@ -4121,7 +4117,7 @@
               <a:pPr>
                 <a:defRPr/>
               </a:pPr>
-              <a:t>2018/4/28</a:t>
+              <a:t>2019/7/16</a:t>
             </a:fld>
             <a:endParaRPr lang="zh-CN" altLang="en-US"/>
           </a:p>
@@ -4440,7 +4436,7 @@
               <a:pPr>
                 <a:defRPr/>
               </a:pPr>
-              <a:t>2018/4/28</a:t>
+              <a:t>2019/7/16</a:t>
             </a:fld>
             <a:endParaRPr lang="zh-CN" altLang="en-US"/>
           </a:p>
@@ -5775,7 +5771,7 @@
           <a:graphicData uri="http://schemas.openxmlformats.org/presentationml/2006/ole">
             <mc:AlternateContent xmlns:mc="http://schemas.openxmlformats.org/markup-compatibility/2006">
               <mc:Choice xmlns:v="urn:schemas-microsoft-com:vml" Requires="v">
-                <p:oleObj spid="_x0000_s25618" name="Equation" r:id="rId3" imgW="1726920" imgH="482400" progId="Equation.DSMT4">
+                <p:oleObj spid="_x0000_s25619" name="Equation" r:id="rId3" imgW="1726920" imgH="482400" progId="Equation.DSMT4">
                   <p:embed/>
                 </p:oleObj>
               </mc:Choice>
@@ -5961,7 +5957,7 @@
           <a:graphicData uri="http://schemas.openxmlformats.org/presentationml/2006/ole">
             <mc:AlternateContent xmlns:mc="http://schemas.openxmlformats.org/markup-compatibility/2006">
               <mc:Choice xmlns:v="urn:schemas-microsoft-com:vml" Requires="v">
-                <p:oleObj spid="_x0000_s26642" name="Equation" r:id="rId3" imgW="1587240" imgH="482400" progId="Equation.DSMT4">
+                <p:oleObj spid="_x0000_s26643" name="Equation" r:id="rId3" imgW="1587240" imgH="482400" progId="Equation.DSMT4">
                   <p:embed/>
                 </p:oleObj>
               </mc:Choice>
@@ -6346,7 +6342,7 @@
           <a:graphicData uri="http://schemas.openxmlformats.org/presentationml/2006/ole">
             <mc:AlternateContent xmlns:mc="http://schemas.openxmlformats.org/markup-compatibility/2006">
               <mc:Choice xmlns:v="urn:schemas-microsoft-com:vml" Requires="v">
-                <p:oleObj spid="_x0000_s27667" r:id="rId3" imgW="7905839" imgH="7534432" progId="Visio.Drawing.15">
+                <p:oleObj spid="_x0000_s27668" r:id="rId3" imgW="7905839" imgH="7534432" progId="Visio.Drawing.15">
                   <p:embed/>
                 </p:oleObj>
               </mc:Choice>
@@ -10942,7 +10938,6 @@
             <a:noFill/>
           </a:ln>
           <a:effectLst/>
-          <a:extLst/>
         </p:spPr>
         <p:txBody>
           <a:bodyPr wrap="none" anchor="ctr"/>
@@ -12076,6 +12071,10 @@
             <a:r>
               <a:rPr lang="zh-CN" altLang="zh-CN" dirty="0"/>
               <a:t>传统的搜索系统，需要用户提供明确需求，从用户提供的需求信息出发，继而给用户展现信息，无法针对不同用户的兴趣爱好提供相应地信息反馈服务。</a:t>
+            </a:r>
+            <a:r>
+              <a:rPr lang="en-US" altLang="zh-CN"/>
+              <a:t> </a:t>
             </a:r>
             <a:endParaRPr lang="en-US" altLang="zh-CN" dirty="0"/>
           </a:p>
@@ -16193,7 +16192,7 @@
           <a:graphicData uri="http://schemas.openxmlformats.org/presentationml/2006/ole">
             <mc:AlternateContent xmlns:mc="http://schemas.openxmlformats.org/markup-compatibility/2006">
               <mc:Choice xmlns:v="urn:schemas-microsoft-com:vml" Requires="v">
-                <p:oleObj spid="_x0000_s24594" name="Equation" r:id="rId3" imgW="1307880" imgH="431640" progId="Equation.DSMT4">
+                <p:oleObj spid="_x0000_s24595" name="Equation" r:id="rId3" imgW="1307880" imgH="431640" progId="Equation.DSMT4">
                   <p:embed/>
                 </p:oleObj>
               </mc:Choice>

--- a/materials/slides/ch10.pptx
+++ b/materials/slides/ch10.pptx
@@ -2048,6 +2048,7 @@
           <a:ln>
             <a:noFill/>
           </a:ln>
+          <a:extLst/>
         </p:spPr>
         <p:txBody>
           <a:bodyPr>
@@ -2267,6 +2268,7 @@
           <a:ln>
             <a:noFill/>
           </a:ln>
+          <a:extLst/>
         </p:spPr>
         <p:txBody>
           <a:bodyPr wrap="none" anchor="ctr"/>
@@ -2418,6 +2420,7 @@
           <a:ln>
             <a:noFill/>
           </a:ln>
+          <a:extLst/>
         </p:spPr>
         <p:txBody>
           <a:bodyPr wrap="none" anchor="ctr"/>
@@ -2565,6 +2568,7 @@
           <a:ln>
             <a:noFill/>
           </a:ln>
+          <a:extLst/>
         </p:spPr>
         <p:txBody>
           <a:bodyPr/>
@@ -4117,7 +4121,7 @@
               <a:pPr>
                 <a:defRPr/>
               </a:pPr>
-              <a:t>2019/7/16</a:t>
+              <a:t>2018/4/28</a:t>
             </a:fld>
             <a:endParaRPr lang="zh-CN" altLang="en-US"/>
           </a:p>
@@ -4436,7 +4440,7 @@
               <a:pPr>
                 <a:defRPr/>
               </a:pPr>
-              <a:t>2019/7/16</a:t>
+              <a:t>2018/4/28</a:t>
             </a:fld>
             <a:endParaRPr lang="zh-CN" altLang="en-US"/>
           </a:p>
@@ -5771,7 +5775,7 @@
           <a:graphicData uri="http://schemas.openxmlformats.org/presentationml/2006/ole">
             <mc:AlternateContent xmlns:mc="http://schemas.openxmlformats.org/markup-compatibility/2006">
               <mc:Choice xmlns:v="urn:schemas-microsoft-com:vml" Requires="v">
-                <p:oleObj spid="_x0000_s25619" name="Equation" r:id="rId3" imgW="1726920" imgH="482400" progId="Equation.DSMT4">
+                <p:oleObj spid="_x0000_s25618" name="Equation" r:id="rId3" imgW="1726920" imgH="482400" progId="Equation.DSMT4">
                   <p:embed/>
                 </p:oleObj>
               </mc:Choice>
@@ -5957,7 +5961,7 @@
           <a:graphicData uri="http://schemas.openxmlformats.org/presentationml/2006/ole">
             <mc:AlternateContent xmlns:mc="http://schemas.openxmlformats.org/markup-compatibility/2006">
               <mc:Choice xmlns:v="urn:schemas-microsoft-com:vml" Requires="v">
-                <p:oleObj spid="_x0000_s26643" name="Equation" r:id="rId3" imgW="1587240" imgH="482400" progId="Equation.DSMT4">
+                <p:oleObj spid="_x0000_s26642" name="Equation" r:id="rId3" imgW="1587240" imgH="482400" progId="Equation.DSMT4">
                   <p:embed/>
                 </p:oleObj>
               </mc:Choice>
@@ -6342,7 +6346,7 @@
           <a:graphicData uri="http://schemas.openxmlformats.org/presentationml/2006/ole">
             <mc:AlternateContent xmlns:mc="http://schemas.openxmlformats.org/markup-compatibility/2006">
               <mc:Choice xmlns:v="urn:schemas-microsoft-com:vml" Requires="v">
-                <p:oleObj spid="_x0000_s27668" r:id="rId3" imgW="7905839" imgH="7534432" progId="Visio.Drawing.15">
+                <p:oleObj spid="_x0000_s27667" r:id="rId3" imgW="7905839" imgH="7534432" progId="Visio.Drawing.15">
                   <p:embed/>
                 </p:oleObj>
               </mc:Choice>
@@ -10938,6 +10942,7 @@
             <a:noFill/>
           </a:ln>
           <a:effectLst/>
+          <a:extLst/>
         </p:spPr>
         <p:txBody>
           <a:bodyPr wrap="none" anchor="ctr"/>
@@ -12071,10 +12076,6 @@
             <a:r>
               <a:rPr lang="zh-CN" altLang="zh-CN" dirty="0"/>
               <a:t>传统的搜索系统，需要用户提供明确需求，从用户提供的需求信息出发，继而给用户展现信息，无法针对不同用户的兴趣爱好提供相应地信息反馈服务。</a:t>
-            </a:r>
-            <a:r>
-              <a:rPr lang="en-US" altLang="zh-CN"/>
-              <a:t> </a:t>
             </a:r>
             <a:endParaRPr lang="en-US" altLang="zh-CN" dirty="0"/>
           </a:p>
@@ -16192,7 +16193,7 @@
           <a:graphicData uri="http://schemas.openxmlformats.org/presentationml/2006/ole">
             <mc:AlternateContent xmlns:mc="http://schemas.openxmlformats.org/markup-compatibility/2006">
               <mc:Choice xmlns:v="urn:schemas-microsoft-com:vml" Requires="v">
-                <p:oleObj spid="_x0000_s24595" name="Equation" r:id="rId3" imgW="1307880" imgH="431640" progId="Equation.DSMT4">
+                <p:oleObj spid="_x0000_s24594" name="Equation" r:id="rId3" imgW="1307880" imgH="431640" progId="Equation.DSMT4">
                   <p:embed/>
                 </p:oleObj>
               </mc:Choice>
